--- a/plots/Manuscript_Draft/ROC_AUC/ROC_curves.pptx
+++ b/plots/Manuscript_Draft/ROC_AUC/ROC_curves.pptx
@@ -107,6 +107,11 @@
       </a:defRPr>
     </a:lvl9pPr>
   </p:defaultTextStyle>
+  <p:extLst>
+    <p:ext uri="{EFAFB233-063F-42B5-8137-9DF3F51BA10A}">
+      <p15:sldGuideLst xmlns:p15="http://schemas.microsoft.com/office/powerpoint/2012/main"/>
+    </p:ext>
+  </p:extLst>
 </p:presentation>
 </file>
 
@@ -192,7 +197,7 @@
           <a:p>
             <a:fld id="{E3BF68E5-F08E-DF45-8318-8A1A765CA446}" type="datetimeFigureOut">
               <a:rPr lang="en-AU" smtClean="0"/>
-              <a:t>3/4/2023</a:t>
+              <a:t>7/4/2023</a:t>
             </a:fld>
             <a:endParaRPr lang="en-AU"/>
           </a:p>
@@ -706,7 +711,7 @@
           <a:p>
             <a:fld id="{3CD825E3-CA44-CE4C-BE61-DABB1E4AE974}" type="datetimeFigureOut">
               <a:rPr lang="en-AU" smtClean="0"/>
-              <a:t>3/4/2023</a:t>
+              <a:t>7/4/2023</a:t>
             </a:fld>
             <a:endParaRPr lang="en-AU"/>
           </a:p>
@@ -906,7 +911,7 @@
           <a:p>
             <a:fld id="{3CD825E3-CA44-CE4C-BE61-DABB1E4AE974}" type="datetimeFigureOut">
               <a:rPr lang="en-AU" smtClean="0"/>
-              <a:t>3/4/2023</a:t>
+              <a:t>7/4/2023</a:t>
             </a:fld>
             <a:endParaRPr lang="en-AU"/>
           </a:p>
@@ -1116,7 +1121,7 @@
           <a:p>
             <a:fld id="{3CD825E3-CA44-CE4C-BE61-DABB1E4AE974}" type="datetimeFigureOut">
               <a:rPr lang="en-AU" smtClean="0"/>
-              <a:t>3/4/2023</a:t>
+              <a:t>7/4/2023</a:t>
             </a:fld>
             <a:endParaRPr lang="en-AU"/>
           </a:p>
@@ -1316,7 +1321,7 @@
           <a:p>
             <a:fld id="{3CD825E3-CA44-CE4C-BE61-DABB1E4AE974}" type="datetimeFigureOut">
               <a:rPr lang="en-AU" smtClean="0"/>
-              <a:t>3/4/2023</a:t>
+              <a:t>7/4/2023</a:t>
             </a:fld>
             <a:endParaRPr lang="en-AU"/>
           </a:p>
@@ -1592,7 +1597,7 @@
           <a:p>
             <a:fld id="{3CD825E3-CA44-CE4C-BE61-DABB1E4AE974}" type="datetimeFigureOut">
               <a:rPr lang="en-AU" smtClean="0"/>
-              <a:t>3/4/2023</a:t>
+              <a:t>7/4/2023</a:t>
             </a:fld>
             <a:endParaRPr lang="en-AU"/>
           </a:p>
@@ -1860,7 +1865,7 @@
           <a:p>
             <a:fld id="{3CD825E3-CA44-CE4C-BE61-DABB1E4AE974}" type="datetimeFigureOut">
               <a:rPr lang="en-AU" smtClean="0"/>
-              <a:t>3/4/2023</a:t>
+              <a:t>7/4/2023</a:t>
             </a:fld>
             <a:endParaRPr lang="en-AU"/>
           </a:p>
@@ -2275,7 +2280,7 @@
           <a:p>
             <a:fld id="{3CD825E3-CA44-CE4C-BE61-DABB1E4AE974}" type="datetimeFigureOut">
               <a:rPr lang="en-AU" smtClean="0"/>
-              <a:t>3/4/2023</a:t>
+              <a:t>7/4/2023</a:t>
             </a:fld>
             <a:endParaRPr lang="en-AU"/>
           </a:p>
@@ -2417,7 +2422,7 @@
           <a:p>
             <a:fld id="{3CD825E3-CA44-CE4C-BE61-DABB1E4AE974}" type="datetimeFigureOut">
               <a:rPr lang="en-AU" smtClean="0"/>
-              <a:t>3/4/2023</a:t>
+              <a:t>7/4/2023</a:t>
             </a:fld>
             <a:endParaRPr lang="en-AU"/>
           </a:p>
@@ -2530,7 +2535,7 @@
           <a:p>
             <a:fld id="{3CD825E3-CA44-CE4C-BE61-DABB1E4AE974}" type="datetimeFigureOut">
               <a:rPr lang="en-AU" smtClean="0"/>
-              <a:t>3/4/2023</a:t>
+              <a:t>7/4/2023</a:t>
             </a:fld>
             <a:endParaRPr lang="en-AU"/>
           </a:p>
@@ -2843,7 +2848,7 @@
           <a:p>
             <a:fld id="{3CD825E3-CA44-CE4C-BE61-DABB1E4AE974}" type="datetimeFigureOut">
               <a:rPr lang="en-AU" smtClean="0"/>
-              <a:t>3/4/2023</a:t>
+              <a:t>7/4/2023</a:t>
             </a:fld>
             <a:endParaRPr lang="en-AU"/>
           </a:p>
@@ -3132,7 +3137,7 @@
           <a:p>
             <a:fld id="{3CD825E3-CA44-CE4C-BE61-DABB1E4AE974}" type="datetimeFigureOut">
               <a:rPr lang="en-AU" smtClean="0"/>
-              <a:t>3/4/2023</a:t>
+              <a:t>7/4/2023</a:t>
             </a:fld>
             <a:endParaRPr lang="en-AU"/>
           </a:p>
@@ -3375,7 +3380,7 @@
           <a:p>
             <a:fld id="{3CD825E3-CA44-CE4C-BE61-DABB1E4AE974}" type="datetimeFigureOut">
               <a:rPr lang="en-AU" smtClean="0"/>
-              <a:t>3/4/2023</a:t>
+              <a:t>7/4/2023</a:t>
             </a:fld>
             <a:endParaRPr lang="en-AU"/>
           </a:p>
@@ -3852,14 +3857,13 @@
         </p:nvPicPr>
         <p:blipFill>
           <a:blip r:embed="rId3"/>
-          <a:stretch>
-            <a:fillRect/>
-          </a:stretch>
+          <a:srcRect/>
+          <a:stretch/>
         </p:blipFill>
         <p:spPr>
           <a:xfrm>
-            <a:off x="642551" y="355354"/>
-            <a:ext cx="3178372" cy="2813539"/>
+            <a:off x="163955" y="177677"/>
+            <a:ext cx="2813539" cy="2813539"/>
           </a:xfrm>
           <a:prstGeom prst="rect">
             <a:avLst/>
